--- a/기본프로그래밍_Java_002(자쌈빠)_A1.pptx
+++ b/기본프로그래밍_Java_002(자쌈빠)_A1.pptx
@@ -5,34 +5,35 @@
     <p:sldMasterId id="2147483664" r:id="rId1"/>
   </p:sldMasterIdLst>
   <p:notesMasterIdLst>
-    <p:notesMasterId r:id="rId10"/>
+    <p:notesMasterId r:id="rId11"/>
   </p:notesMasterIdLst>
   <p:sldIdLst>
     <p:sldId id="256" r:id="rId2"/>
-    <p:sldId id="261" r:id="rId3"/>
-    <p:sldId id="262" r:id="rId4"/>
-    <p:sldId id="263" r:id="rId5"/>
-    <p:sldId id="264" r:id="rId6"/>
-    <p:sldId id="265" r:id="rId7"/>
-    <p:sldId id="266" r:id="rId8"/>
-    <p:sldId id="267" r:id="rId9"/>
+    <p:sldId id="268" r:id="rId3"/>
+    <p:sldId id="261" r:id="rId4"/>
+    <p:sldId id="262" r:id="rId5"/>
+    <p:sldId id="263" r:id="rId6"/>
+    <p:sldId id="264" r:id="rId7"/>
+    <p:sldId id="265" r:id="rId8"/>
+    <p:sldId id="266" r:id="rId9"/>
+    <p:sldId id="267" r:id="rId10"/>
   </p:sldIdLst>
   <p:sldSz cx="24384000" cy="13716000"/>
   <p:notesSz cx="6858000" cy="9144000"/>
   <p:embeddedFontLst>
     <p:embeddedFont>
-      <p:font typeface="Helvetica Neue" panose="020B0604020202020204" charset="0"/>
-      <p:regular r:id="rId11"/>
-      <p:bold r:id="rId12"/>
-      <p:italic r:id="rId13"/>
-      <p:boldItalic r:id="rId14"/>
+      <p:font typeface="Verdana" panose="020B0604030504040204" pitchFamily="34" charset="0"/>
+      <p:regular r:id="rId12"/>
+      <p:bold r:id="rId13"/>
+      <p:italic r:id="rId14"/>
+      <p:boldItalic r:id="rId15"/>
     </p:embeddedFont>
     <p:embeddedFont>
-      <p:font typeface="Verdana" panose="020B0604030504040204" pitchFamily="34" charset="0"/>
-      <p:regular r:id="rId15"/>
-      <p:bold r:id="rId16"/>
-      <p:italic r:id="rId17"/>
-      <p:boldItalic r:id="rId18"/>
+      <p:font typeface="Helvetica Neue" panose="020B0604020202020204" charset="0"/>
+      <p:regular r:id="rId16"/>
+      <p:bold r:id="rId17"/>
+      <p:italic r:id="rId18"/>
+      <p:boldItalic r:id="rId19"/>
     </p:embeddedFont>
   </p:embeddedFontLst>
   <p:defaultTextStyle>
@@ -1003,6 +1004,115 @@
     </p:spTree>
     <p:extLst>
       <p:ext uri="{BB962C8B-B14F-4D97-AF65-F5344CB8AC3E}">
+        <p14:creationId xmlns:p14="http://schemas.microsoft.com/office/powerpoint/2010/main" val="3943831833"/>
+      </p:ext>
+    </p:extLst>
+  </p:cSld>
+  <p:clrMapOvr>
+    <a:masterClrMapping/>
+  </p:clrMapOvr>
+</p:notes>
+</file>
+
+<file path=ppt/notesSlides/notesSlide3.xml><?xml version="1.0" encoding="utf-8"?>
+<p:notes xmlns:a="http://schemas.openxmlformats.org/drawingml/2006/main" xmlns:r="http://schemas.openxmlformats.org/officeDocument/2006/relationships" xmlns:p="http://schemas.openxmlformats.org/presentationml/2006/main" showMasterSp="0" showMasterPhAnim="0">
+  <p:cSld>
+    <p:spTree>
+      <p:nvGrpSpPr>
+        <p:cNvPr id="1" name="Shape 90"/>
+        <p:cNvGrpSpPr/>
+        <p:nvPr/>
+      </p:nvGrpSpPr>
+      <p:grpSpPr>
+        <a:xfrm>
+          <a:off x="0" y="0"/>
+          <a:ext cx="0" cy="0"/>
+          <a:chOff x="0" y="0"/>
+          <a:chExt cx="0" cy="0"/>
+        </a:xfrm>
+      </p:grpSpPr>
+      <p:sp>
+        <p:nvSpPr>
+          <p:cNvPr id="91" name="Google Shape;91;p2:notes"/>
+          <p:cNvSpPr txBox="1">
+            <a:spLocks noGrp="1"/>
+          </p:cNvSpPr>
+          <p:nvPr>
+            <p:ph type="body" idx="1"/>
+          </p:nvPr>
+        </p:nvSpPr>
+        <p:spPr>
+          <a:xfrm>
+            <a:off x="914400" y="4343400"/>
+            <a:ext cx="5029200" cy="4114800"/>
+          </a:xfrm>
+          <a:prstGeom prst="rect">
+            <a:avLst/>
+          </a:prstGeom>
+        </p:spPr>
+        <p:txBody>
+          <a:bodyPr spcFirstLastPara="1" wrap="square" lIns="91425" tIns="45700" rIns="91425" bIns="45700" anchor="t" anchorCtr="0">
+            <a:noAutofit/>
+          </a:bodyPr>
+          <a:lstStyle/>
+          <a:p>
+            <a:pPr marL="0" lvl="0" indent="0" algn="l" rtl="0">
+              <a:spcBef>
+                <a:spcPts val="0"/>
+              </a:spcBef>
+              <a:spcAft>
+                <a:spcPts val="0"/>
+              </a:spcAft>
+              <a:buNone/>
+            </a:pPr>
+            <a:endParaRPr dirty="0"/>
+          </a:p>
+        </p:txBody>
+      </p:sp>
+      <p:sp>
+        <p:nvSpPr>
+          <p:cNvPr id="92" name="Google Shape;92;p2:notes"/>
+          <p:cNvSpPr>
+            <a:spLocks noGrp="1" noRot="1" noChangeAspect="1"/>
+          </p:cNvSpPr>
+          <p:nvPr>
+            <p:ph type="sldImg" idx="2"/>
+          </p:nvPr>
+        </p:nvSpPr>
+        <p:spPr>
+          <a:xfrm>
+            <a:off x="381000" y="685800"/>
+            <a:ext cx="6096000" cy="3429000"/>
+          </a:xfrm>
+          <a:custGeom>
+            <a:avLst/>
+            <a:gdLst/>
+            <a:ahLst/>
+            <a:cxnLst/>
+            <a:rect l="l" t="t" r="r" b="b"/>
+            <a:pathLst>
+              <a:path w="120000" h="120000" extrusionOk="0">
+                <a:moveTo>
+                  <a:pt x="0" y="0"/>
+                </a:moveTo>
+                <a:lnTo>
+                  <a:pt x="120000" y="0"/>
+                </a:lnTo>
+                <a:lnTo>
+                  <a:pt x="120000" y="120000"/>
+                </a:lnTo>
+                <a:lnTo>
+                  <a:pt x="0" y="120000"/>
+                </a:lnTo>
+                <a:close/>
+              </a:path>
+            </a:pathLst>
+          </a:custGeom>
+        </p:spPr>
+      </p:sp>
+    </p:spTree>
+    <p:extLst>
+      <p:ext uri="{BB962C8B-B14F-4D97-AF65-F5344CB8AC3E}">
         <p14:creationId xmlns:p14="http://schemas.microsoft.com/office/powerpoint/2010/main" val="3175639690"/>
       </p:ext>
     </p:extLst>
@@ -1013,7 +1123,7 @@
 </p:notes>
 </file>
 
-<file path=ppt/notesSlides/notesSlide3.xml><?xml version="1.0" encoding="utf-8"?>
+<file path=ppt/notesSlides/notesSlide4.xml><?xml version="1.0" encoding="utf-8"?>
 <p:notes xmlns:a="http://schemas.openxmlformats.org/drawingml/2006/main" xmlns:r="http://schemas.openxmlformats.org/officeDocument/2006/relationships" xmlns:p="http://schemas.openxmlformats.org/presentationml/2006/main" showMasterSp="0" showMasterPhAnim="0">
   <p:cSld>
     <p:spTree>
@@ -1122,7 +1232,7 @@
 </p:notes>
 </file>
 
-<file path=ppt/notesSlides/notesSlide4.xml><?xml version="1.0" encoding="utf-8"?>
+<file path=ppt/notesSlides/notesSlide5.xml><?xml version="1.0" encoding="utf-8"?>
 <p:notes xmlns:a="http://schemas.openxmlformats.org/drawingml/2006/main" xmlns:r="http://schemas.openxmlformats.org/officeDocument/2006/relationships" xmlns:p="http://schemas.openxmlformats.org/presentationml/2006/main" showMasterSp="0" showMasterPhAnim="0">
   <p:cSld>
     <p:spTree>
@@ -1231,7 +1341,7 @@
 </p:notes>
 </file>
 
-<file path=ppt/notesSlides/notesSlide5.xml><?xml version="1.0" encoding="utf-8"?>
+<file path=ppt/notesSlides/notesSlide6.xml><?xml version="1.0" encoding="utf-8"?>
 <p:notes xmlns:a="http://schemas.openxmlformats.org/drawingml/2006/main" xmlns:r="http://schemas.openxmlformats.org/officeDocument/2006/relationships" xmlns:p="http://schemas.openxmlformats.org/presentationml/2006/main" showMasterSp="0" showMasterPhAnim="0">
   <p:cSld>
     <p:spTree>
@@ -1340,7 +1450,7 @@
 </p:notes>
 </file>
 
-<file path=ppt/notesSlides/notesSlide6.xml><?xml version="1.0" encoding="utf-8"?>
+<file path=ppt/notesSlides/notesSlide7.xml><?xml version="1.0" encoding="utf-8"?>
 <p:notes xmlns:a="http://schemas.openxmlformats.org/drawingml/2006/main" xmlns:r="http://schemas.openxmlformats.org/officeDocument/2006/relationships" xmlns:p="http://schemas.openxmlformats.org/presentationml/2006/main" showMasterSp="0" showMasterPhAnim="0">
   <p:cSld>
     <p:spTree>
@@ -1449,7 +1559,7 @@
 </p:notes>
 </file>
 
-<file path=ppt/notesSlides/notesSlide7.xml><?xml version="1.0" encoding="utf-8"?>
+<file path=ppt/notesSlides/notesSlide8.xml><?xml version="1.0" encoding="utf-8"?>
 <p:notes xmlns:a="http://schemas.openxmlformats.org/drawingml/2006/main" xmlns:r="http://schemas.openxmlformats.org/officeDocument/2006/relationships" xmlns:p="http://schemas.openxmlformats.org/presentationml/2006/main" showMasterSp="0" showMasterPhAnim="0">
   <p:cSld>
     <p:spTree>
@@ -1558,7 +1668,7 @@
 </p:notes>
 </file>
 
-<file path=ppt/notesSlides/notesSlide8.xml><?xml version="1.0" encoding="utf-8"?>
+<file path=ppt/notesSlides/notesSlide9.xml><?xml version="1.0" encoding="utf-8"?>
 <p:notes xmlns:a="http://schemas.openxmlformats.org/drawingml/2006/main" xmlns:r="http://schemas.openxmlformats.org/officeDocument/2006/relationships" xmlns:p="http://schemas.openxmlformats.org/presentationml/2006/main" showMasterSp="0" showMasterPhAnim="0">
   <p:cSld>
     <p:spTree>
@@ -14619,31 +14729,7 @@
                 <a:cs typeface="Verdana"/>
                 <a:sym typeface="Verdana"/>
               </a:rPr>
-              <a:t> </a:t>
-            </a:r>
-            <a:r>
-              <a:rPr lang="en-US" sz="15300" b="1" i="0" u="none" strike="noStrike" cap="none" smtClean="0">
-                <a:solidFill>
-                  <a:schemeClr val="accent1"/>
-                </a:solidFill>
-                <a:latin typeface="Verdana"/>
-                <a:ea typeface="Verdana"/>
-                <a:cs typeface="Verdana"/>
-                <a:sym typeface="Verdana"/>
-              </a:rPr>
-              <a:t>02(A1</a:t>
-            </a:r>
-            <a:r>
-              <a:rPr lang="en-US" sz="15300" b="1" i="0" u="none" strike="noStrike" cap="none" smtClean="0">
-                <a:solidFill>
-                  <a:schemeClr val="accent1"/>
-                </a:solidFill>
-                <a:latin typeface="Verdana"/>
-                <a:ea typeface="Verdana"/>
-                <a:cs typeface="Verdana"/>
-                <a:sym typeface="Verdana"/>
-              </a:rPr>
-              <a:t>)</a:t>
+              <a:t> 02(A1)</a:t>
             </a:r>
             <a:r>
               <a:rPr lang="en-US" sz="15300" b="1" i="0" u="none" strike="noStrike" cap="none" dirty="0" smtClean="0">
@@ -14957,6 +15043,1089 @@
 </file>
 
 <file path=ppt/slides/slide2.xml><?xml version="1.0" encoding="utf-8"?>
+<p:sld xmlns:a="http://schemas.openxmlformats.org/drawingml/2006/main" xmlns:r="http://schemas.openxmlformats.org/officeDocument/2006/relationships" xmlns:p="http://schemas.openxmlformats.org/presentationml/2006/main">
+  <p:cSld>
+    <p:spTree>
+      <p:nvGrpSpPr>
+        <p:cNvPr id="1" name="Shape 93"/>
+        <p:cNvGrpSpPr/>
+        <p:nvPr/>
+      </p:nvGrpSpPr>
+      <p:grpSpPr>
+        <a:xfrm>
+          <a:off x="0" y="0"/>
+          <a:ext cx="0" cy="0"/>
+          <a:chOff x="0" y="0"/>
+          <a:chExt cx="0" cy="0"/>
+        </a:xfrm>
+      </p:grpSpPr>
+      <p:sp>
+        <p:nvSpPr>
+          <p:cNvPr id="11" name="Google Shape;94;p19"/>
+          <p:cNvSpPr txBox="1">
+            <a:spLocks noGrp="1"/>
+          </p:cNvSpPr>
+          <p:nvPr>
+            <p:ph type="body" idx="1"/>
+          </p:nvPr>
+        </p:nvSpPr>
+        <p:spPr>
+          <a:xfrm>
+            <a:off x="762000" y="172689"/>
+            <a:ext cx="20955000" cy="1097311"/>
+          </a:xfrm>
+          <a:prstGeom prst="rect">
+            <a:avLst/>
+          </a:prstGeom>
+          <a:noFill/>
+          <a:ln>
+            <a:noFill/>
+          </a:ln>
+        </p:spPr>
+        <p:txBody>
+          <a:bodyPr spcFirstLastPara="1" wrap="square" lIns="50800" tIns="50800" rIns="50800" bIns="50800" anchor="b" anchorCtr="0">
+            <a:noAutofit/>
+          </a:bodyPr>
+          <a:lstStyle/>
+          <a:p>
+            <a:pPr marL="0" marR="0" lvl="0" indent="0" algn="l" rtl="0">
+              <a:lnSpc>
+                <a:spcPct val="80000"/>
+              </a:lnSpc>
+              <a:spcBef>
+                <a:spcPts val="0"/>
+              </a:spcBef>
+              <a:spcAft>
+                <a:spcPts val="0"/>
+              </a:spcAft>
+              <a:buClr>
+                <a:srgbClr val="838787"/>
+              </a:buClr>
+              <a:buSzPts val="6000"/>
+              <a:buFont typeface="Avenir"/>
+              <a:buNone/>
+            </a:pPr>
+            <a:r>
+              <a:rPr lang="en-US" altLang="ko-KR" sz="6600" dirty="0" smtClean="0">
+                <a:solidFill>
+                  <a:srgbClr val="FFC000"/>
+                </a:solidFill>
+              </a:rPr>
+              <a:t>A1, A2</a:t>
+            </a:r>
+            <a:endParaRPr sz="6600" dirty="0">
+              <a:solidFill>
+                <a:srgbClr val="FFC000"/>
+              </a:solidFill>
+            </a:endParaRPr>
+          </a:p>
+        </p:txBody>
+      </p:sp>
+      <p:grpSp>
+        <p:nvGrpSpPr>
+          <p:cNvPr id="7" name="그룹 6"/>
+          <p:cNvGrpSpPr/>
+          <p:nvPr/>
+        </p:nvGrpSpPr>
+        <p:grpSpPr>
+          <a:xfrm>
+            <a:off x="761998" y="1676400"/>
+            <a:ext cx="22860002" cy="2895600"/>
+            <a:chOff x="761998" y="5638800"/>
+            <a:chExt cx="22860002" cy="2895600"/>
+          </a:xfrm>
+        </p:grpSpPr>
+        <p:sp>
+          <p:nvSpPr>
+            <p:cNvPr id="8" name="Google Shape;95;p19"/>
+            <p:cNvSpPr txBox="1">
+              <a:spLocks/>
+            </p:cNvSpPr>
+            <p:nvPr/>
+          </p:nvSpPr>
+          <p:spPr>
+            <a:xfrm>
+              <a:off x="762000" y="5638800"/>
+              <a:ext cx="22860000" cy="1016100"/>
+            </a:xfrm>
+            <a:prstGeom prst="rect">
+              <a:avLst/>
+            </a:prstGeom>
+            <a:noFill/>
+            <a:ln>
+              <a:noFill/>
+            </a:ln>
+          </p:spPr>
+          <p:txBody>
+            <a:bodyPr spcFirstLastPara="1" wrap="square" lIns="50800" tIns="50800" rIns="50800" bIns="50800" anchor="t" anchorCtr="0">
+              <a:noAutofit/>
+            </a:bodyPr>
+            <a:lstStyle>
+              <a:defPPr marR="0" lvl="0" algn="l" rtl="0">
+                <a:lnSpc>
+                  <a:spcPct val="100000"/>
+                </a:lnSpc>
+                <a:spcBef>
+                  <a:spcPts val="0"/>
+                </a:spcBef>
+                <a:spcAft>
+                  <a:spcPts val="0"/>
+                </a:spcAft>
+              </a:defPPr>
+              <a:lvl1pPr marR="0" lvl="0" algn="l" rtl="0">
+                <a:lnSpc>
+                  <a:spcPct val="80000"/>
+                </a:lnSpc>
+                <a:spcBef>
+                  <a:spcPts val="3900"/>
+                </a:spcBef>
+                <a:spcAft>
+                  <a:spcPts val="0"/>
+                </a:spcAft>
+                <a:buClr>
+                  <a:schemeClr val="accent1"/>
+                </a:buClr>
+                <a:buSzPts val="1800"/>
+                <a:buFont typeface="Arial"/>
+                <a:buNone/>
+                <a:defRPr sz="8700" b="0" i="0" u="none" strike="noStrike" cap="none">
+                  <a:solidFill>
+                    <a:schemeClr val="accent1"/>
+                  </a:solidFill>
+                  <a:latin typeface="Arial"/>
+                  <a:ea typeface="Arial"/>
+                  <a:cs typeface="Arial"/>
+                  <a:sym typeface="Arial"/>
+                </a:defRPr>
+              </a:lvl1pPr>
+              <a:lvl2pPr marR="0" lvl="1" algn="l" rtl="0">
+                <a:lnSpc>
+                  <a:spcPct val="80000"/>
+                </a:lnSpc>
+                <a:spcBef>
+                  <a:spcPts val="3900"/>
+                </a:spcBef>
+                <a:spcAft>
+                  <a:spcPts val="0"/>
+                </a:spcAft>
+                <a:buClr>
+                  <a:schemeClr val="accent1"/>
+                </a:buClr>
+                <a:buSzPts val="1800"/>
+                <a:buFont typeface="Arial"/>
+                <a:buNone/>
+                <a:defRPr sz="8700" b="0" i="0" u="none" strike="noStrike" cap="none">
+                  <a:solidFill>
+                    <a:schemeClr val="accent1"/>
+                  </a:solidFill>
+                  <a:latin typeface="Arial"/>
+                  <a:ea typeface="Arial"/>
+                  <a:cs typeface="Arial"/>
+                  <a:sym typeface="Arial"/>
+                </a:defRPr>
+              </a:lvl2pPr>
+              <a:lvl3pPr marR="0" lvl="2" algn="l" rtl="0">
+                <a:lnSpc>
+                  <a:spcPct val="80000"/>
+                </a:lnSpc>
+                <a:spcBef>
+                  <a:spcPts val="3900"/>
+                </a:spcBef>
+                <a:spcAft>
+                  <a:spcPts val="0"/>
+                </a:spcAft>
+                <a:buClr>
+                  <a:schemeClr val="accent1"/>
+                </a:buClr>
+                <a:buSzPts val="1800"/>
+                <a:buFont typeface="Arial"/>
+                <a:buNone/>
+                <a:defRPr sz="8700" b="0" i="0" u="none" strike="noStrike" cap="none">
+                  <a:solidFill>
+                    <a:schemeClr val="accent1"/>
+                  </a:solidFill>
+                  <a:latin typeface="Arial"/>
+                  <a:ea typeface="Arial"/>
+                  <a:cs typeface="Arial"/>
+                  <a:sym typeface="Arial"/>
+                </a:defRPr>
+              </a:lvl3pPr>
+              <a:lvl4pPr marR="0" lvl="3" algn="l" rtl="0">
+                <a:lnSpc>
+                  <a:spcPct val="80000"/>
+                </a:lnSpc>
+                <a:spcBef>
+                  <a:spcPts val="3900"/>
+                </a:spcBef>
+                <a:spcAft>
+                  <a:spcPts val="0"/>
+                </a:spcAft>
+                <a:buClr>
+                  <a:schemeClr val="accent1"/>
+                </a:buClr>
+                <a:buSzPts val="1800"/>
+                <a:buFont typeface="Arial"/>
+                <a:buNone/>
+                <a:defRPr sz="8700" b="0" i="0" u="none" strike="noStrike" cap="none">
+                  <a:solidFill>
+                    <a:schemeClr val="accent1"/>
+                  </a:solidFill>
+                  <a:latin typeface="Arial"/>
+                  <a:ea typeface="Arial"/>
+                  <a:cs typeface="Arial"/>
+                  <a:sym typeface="Arial"/>
+                </a:defRPr>
+              </a:lvl4pPr>
+              <a:lvl5pPr marR="0" lvl="4" algn="l" rtl="0">
+                <a:lnSpc>
+                  <a:spcPct val="80000"/>
+                </a:lnSpc>
+                <a:spcBef>
+                  <a:spcPts val="3900"/>
+                </a:spcBef>
+                <a:spcAft>
+                  <a:spcPts val="0"/>
+                </a:spcAft>
+                <a:buClr>
+                  <a:schemeClr val="accent1"/>
+                </a:buClr>
+                <a:buSzPts val="1800"/>
+                <a:buFont typeface="Arial"/>
+                <a:buNone/>
+                <a:defRPr sz="8700" b="0" i="0" u="none" strike="noStrike" cap="none">
+                  <a:solidFill>
+                    <a:schemeClr val="accent1"/>
+                  </a:solidFill>
+                  <a:latin typeface="Arial"/>
+                  <a:ea typeface="Arial"/>
+                  <a:cs typeface="Arial"/>
+                  <a:sym typeface="Arial"/>
+                </a:defRPr>
+              </a:lvl5pPr>
+              <a:lvl6pPr marR="0" lvl="5" algn="l" rtl="0">
+                <a:lnSpc>
+                  <a:spcPct val="80000"/>
+                </a:lnSpc>
+                <a:spcBef>
+                  <a:spcPts val="3900"/>
+                </a:spcBef>
+                <a:spcAft>
+                  <a:spcPts val="0"/>
+                </a:spcAft>
+                <a:buClr>
+                  <a:schemeClr val="accent1"/>
+                </a:buClr>
+                <a:buSzPts val="1800"/>
+                <a:buFont typeface="Arial"/>
+                <a:buNone/>
+                <a:defRPr sz="8700" b="0" i="0" u="none" strike="noStrike" cap="none">
+                  <a:solidFill>
+                    <a:schemeClr val="accent1"/>
+                  </a:solidFill>
+                  <a:latin typeface="Arial"/>
+                  <a:ea typeface="Arial"/>
+                  <a:cs typeface="Arial"/>
+                  <a:sym typeface="Arial"/>
+                </a:defRPr>
+              </a:lvl6pPr>
+              <a:lvl7pPr marR="0" lvl="6" algn="l" rtl="0">
+                <a:lnSpc>
+                  <a:spcPct val="80000"/>
+                </a:lnSpc>
+                <a:spcBef>
+                  <a:spcPts val="3900"/>
+                </a:spcBef>
+                <a:spcAft>
+                  <a:spcPts val="0"/>
+                </a:spcAft>
+                <a:buClr>
+                  <a:schemeClr val="accent1"/>
+                </a:buClr>
+                <a:buSzPts val="1800"/>
+                <a:buFont typeface="Arial"/>
+                <a:buNone/>
+                <a:defRPr sz="8700" b="0" i="0" u="none" strike="noStrike" cap="none">
+                  <a:solidFill>
+                    <a:schemeClr val="accent1"/>
+                  </a:solidFill>
+                  <a:latin typeface="Arial"/>
+                  <a:ea typeface="Arial"/>
+                  <a:cs typeface="Arial"/>
+                  <a:sym typeface="Arial"/>
+                </a:defRPr>
+              </a:lvl7pPr>
+              <a:lvl8pPr marR="0" lvl="7" algn="l" rtl="0">
+                <a:lnSpc>
+                  <a:spcPct val="80000"/>
+                </a:lnSpc>
+                <a:spcBef>
+                  <a:spcPts val="3900"/>
+                </a:spcBef>
+                <a:spcAft>
+                  <a:spcPts val="0"/>
+                </a:spcAft>
+                <a:buClr>
+                  <a:schemeClr val="accent1"/>
+                </a:buClr>
+                <a:buSzPts val="1800"/>
+                <a:buFont typeface="Arial"/>
+                <a:buNone/>
+                <a:defRPr sz="8700" b="0" i="0" u="none" strike="noStrike" cap="none">
+                  <a:solidFill>
+                    <a:schemeClr val="accent1"/>
+                  </a:solidFill>
+                  <a:latin typeface="Arial"/>
+                  <a:ea typeface="Arial"/>
+                  <a:cs typeface="Arial"/>
+                  <a:sym typeface="Arial"/>
+                </a:defRPr>
+              </a:lvl8pPr>
+              <a:lvl9pPr marR="0" lvl="8" algn="l" rtl="0">
+                <a:lnSpc>
+                  <a:spcPct val="80000"/>
+                </a:lnSpc>
+                <a:spcBef>
+                  <a:spcPts val="3900"/>
+                </a:spcBef>
+                <a:spcAft>
+                  <a:spcPts val="0"/>
+                </a:spcAft>
+                <a:buClr>
+                  <a:schemeClr val="accent1"/>
+                </a:buClr>
+                <a:buSzPts val="1800"/>
+                <a:buFont typeface="Arial"/>
+                <a:buNone/>
+                <a:defRPr sz="8700" b="0" i="0" u="none" strike="noStrike" cap="none">
+                  <a:solidFill>
+                    <a:schemeClr val="accent1"/>
+                  </a:solidFill>
+                  <a:latin typeface="Arial"/>
+                  <a:ea typeface="Arial"/>
+                  <a:cs typeface="Arial"/>
+                  <a:sym typeface="Arial"/>
+                </a:defRPr>
+              </a:lvl9pPr>
+            </a:lstStyle>
+            <a:p>
+              <a:pPr>
+                <a:spcBef>
+                  <a:spcPts val="0"/>
+                </a:spcBef>
+              </a:pPr>
+              <a:r>
+                <a:rPr lang="en-US" altLang="ko-KR" sz="5480" b="1" dirty="0" smtClean="0">
+                  <a:latin typeface="Verdana"/>
+                  <a:ea typeface="Verdana"/>
+                  <a:cs typeface="Verdana"/>
+                  <a:sym typeface="Verdana"/>
+                </a:rPr>
+                <a:t>Multiplication Table III</a:t>
+              </a:r>
+              <a:endParaRPr lang="ko-KR" altLang="en-US" sz="5480" dirty="0"/>
+            </a:p>
+          </p:txBody>
+        </p:sp>
+        <p:sp>
+          <p:nvSpPr>
+            <p:cNvPr id="9" name="Google Shape;99;p19"/>
+            <p:cNvSpPr txBox="1"/>
+            <p:nvPr/>
+          </p:nvSpPr>
+          <p:spPr>
+            <a:xfrm>
+              <a:off x="761998" y="6308143"/>
+              <a:ext cx="22860001" cy="2226257"/>
+            </a:xfrm>
+            <a:prstGeom prst="rect">
+              <a:avLst/>
+            </a:prstGeom>
+            <a:noFill/>
+            <a:ln>
+              <a:noFill/>
+            </a:ln>
+          </p:spPr>
+          <p:txBody>
+            <a:bodyPr spcFirstLastPara="1" wrap="square" lIns="50800" tIns="50800" rIns="50800" bIns="50800" anchor="t" anchorCtr="0">
+              <a:noAutofit/>
+            </a:bodyPr>
+            <a:lstStyle/>
+            <a:p>
+              <a:pPr marL="584200" lvl="0" indent="-584200">
+                <a:buClr>
+                  <a:srgbClr val="838787"/>
+                </a:buClr>
+                <a:buSzPts val="4637"/>
+                <a:buFont typeface="Avenir"/>
+                <a:buChar char="▸"/>
+              </a:pPr>
+              <a:r>
+                <a:rPr lang="en-US" altLang="ko-KR" sz="4416" dirty="0" smtClean="0">
+                  <a:solidFill>
+                    <a:srgbClr val="838787"/>
+                  </a:solidFill>
+                  <a:latin typeface="Verdana"/>
+                  <a:ea typeface="Verdana"/>
+                  <a:sym typeface="Verdana"/>
+                </a:rPr>
+                <a:t>Use an “if” statement</a:t>
+              </a:r>
+            </a:p>
+            <a:p>
+              <a:pPr marL="584200" lvl="0" indent="-584200">
+                <a:buClr>
+                  <a:srgbClr val="838787"/>
+                </a:buClr>
+                <a:buSzPts val="4637"/>
+                <a:buFont typeface="Avenir"/>
+                <a:buChar char="▸"/>
+              </a:pPr>
+              <a:endParaRPr lang="en-US" altLang="ko-KR" sz="4416" dirty="0">
+                <a:solidFill>
+                  <a:srgbClr val="838787"/>
+                </a:solidFill>
+                <a:latin typeface="Verdana"/>
+                <a:ea typeface="Verdana"/>
+                <a:sym typeface="Verdana"/>
+              </a:endParaRPr>
+            </a:p>
+            <a:p>
+              <a:pPr marL="584200" lvl="0" indent="-584200">
+                <a:buClr>
+                  <a:srgbClr val="838787"/>
+                </a:buClr>
+                <a:buSzPts val="4637"/>
+                <a:buFont typeface="Avenir"/>
+                <a:buChar char="▸"/>
+              </a:pPr>
+              <a:r>
+                <a:rPr lang="en-US" altLang="ko-KR" sz="4416" dirty="0" smtClean="0">
+                  <a:solidFill>
+                    <a:srgbClr val="838787"/>
+                  </a:solidFill>
+                  <a:latin typeface="Verdana"/>
+                  <a:ea typeface="Verdana"/>
+                  <a:sym typeface="Verdana"/>
+                </a:rPr>
+                <a:t>Use a double “for” loop</a:t>
+              </a:r>
+            </a:p>
+            <a:p>
+              <a:pPr marL="584200" lvl="0" indent="-584200">
+                <a:buClr>
+                  <a:srgbClr val="838787"/>
+                </a:buClr>
+                <a:buSzPts val="4637"/>
+                <a:buFont typeface="Avenir"/>
+                <a:buChar char="▸"/>
+              </a:pPr>
+              <a:endParaRPr lang="en-US" altLang="ko-KR" sz="4416" dirty="0">
+                <a:solidFill>
+                  <a:srgbClr val="838787"/>
+                </a:solidFill>
+                <a:latin typeface="Verdana"/>
+                <a:ea typeface="Verdana"/>
+                <a:sym typeface="Verdana"/>
+              </a:endParaRPr>
+            </a:p>
+            <a:p>
+              <a:pPr marL="584200" lvl="0" indent="-584200">
+                <a:buClr>
+                  <a:srgbClr val="838787"/>
+                </a:buClr>
+                <a:buSzPts val="4637"/>
+                <a:buFont typeface="Avenir"/>
+                <a:buChar char="▸"/>
+              </a:pPr>
+              <a:r>
+                <a:rPr lang="en-US" altLang="ko-KR" sz="4416" dirty="0" smtClean="0">
+                  <a:solidFill>
+                    <a:srgbClr val="838787"/>
+                  </a:solidFill>
+                  <a:latin typeface="Verdana"/>
+                  <a:ea typeface="Verdana"/>
+                  <a:sym typeface="Verdana"/>
+                </a:rPr>
+                <a:t>Print 2 to 9 times table</a:t>
+              </a:r>
+            </a:p>
+            <a:p>
+              <a:pPr marL="584200" lvl="0" indent="-584200">
+                <a:buClr>
+                  <a:srgbClr val="838787"/>
+                </a:buClr>
+                <a:buSzPts val="4637"/>
+                <a:buFont typeface="Avenir"/>
+                <a:buChar char="▸"/>
+              </a:pPr>
+              <a:endParaRPr lang="en-US" altLang="ko-KR" sz="4416" dirty="0">
+                <a:solidFill>
+                  <a:srgbClr val="838787"/>
+                </a:solidFill>
+                <a:latin typeface="Verdana"/>
+                <a:ea typeface="Verdana"/>
+                <a:sym typeface="Verdana"/>
+              </a:endParaRPr>
+            </a:p>
+            <a:p>
+              <a:pPr marL="584200" lvl="0" indent="-584200">
+                <a:buClr>
+                  <a:srgbClr val="838787"/>
+                </a:buClr>
+                <a:buSzPts val="4637"/>
+                <a:buFont typeface="Avenir"/>
+                <a:buChar char="▸"/>
+              </a:pPr>
+              <a:endParaRPr lang="en-US" altLang="ko-KR" sz="4416" dirty="0">
+                <a:solidFill>
+                  <a:srgbClr val="838787"/>
+                </a:solidFill>
+                <a:latin typeface="Verdana"/>
+                <a:ea typeface="Verdana"/>
+                <a:sym typeface="Verdana"/>
+              </a:endParaRPr>
+            </a:p>
+            <a:p>
+              <a:pPr marR="0" lvl="0" algn="l" rtl="0">
+                <a:lnSpc>
+                  <a:spcPct val="100000"/>
+                </a:lnSpc>
+                <a:spcBef>
+                  <a:spcPts val="0"/>
+                </a:spcBef>
+                <a:spcAft>
+                  <a:spcPts val="0"/>
+                </a:spcAft>
+                <a:buClr>
+                  <a:srgbClr val="838787"/>
+                </a:buClr>
+                <a:buSzPts val="4637"/>
+              </a:pPr>
+              <a:endParaRPr lang="en-US" sz="4416" dirty="0">
+                <a:solidFill>
+                  <a:srgbClr val="838787"/>
+                </a:solidFill>
+                <a:latin typeface="Verdana"/>
+                <a:ea typeface="Verdana"/>
+                <a:sym typeface="Verdana"/>
+              </a:endParaRPr>
+            </a:p>
+          </p:txBody>
+        </p:sp>
+      </p:grpSp>
+      <p:grpSp>
+        <p:nvGrpSpPr>
+          <p:cNvPr id="10" name="그룹 9"/>
+          <p:cNvGrpSpPr/>
+          <p:nvPr/>
+        </p:nvGrpSpPr>
+        <p:grpSpPr>
+          <a:xfrm>
+            <a:off x="761997" y="7162800"/>
+            <a:ext cx="22860002" cy="2895600"/>
+            <a:chOff x="761998" y="5638800"/>
+            <a:chExt cx="22860002" cy="2895600"/>
+          </a:xfrm>
+        </p:grpSpPr>
+        <p:sp>
+          <p:nvSpPr>
+            <p:cNvPr id="12" name="Google Shape;95;p19"/>
+            <p:cNvSpPr txBox="1">
+              <a:spLocks/>
+            </p:cNvSpPr>
+            <p:nvPr/>
+          </p:nvSpPr>
+          <p:spPr>
+            <a:xfrm>
+              <a:off x="762000" y="5638800"/>
+              <a:ext cx="22860000" cy="1016100"/>
+            </a:xfrm>
+            <a:prstGeom prst="rect">
+              <a:avLst/>
+            </a:prstGeom>
+            <a:noFill/>
+            <a:ln>
+              <a:noFill/>
+            </a:ln>
+          </p:spPr>
+          <p:txBody>
+            <a:bodyPr spcFirstLastPara="1" wrap="square" lIns="50800" tIns="50800" rIns="50800" bIns="50800" anchor="t" anchorCtr="0">
+              <a:noAutofit/>
+            </a:bodyPr>
+            <a:lstStyle>
+              <a:defPPr marR="0" lvl="0" algn="l" rtl="0">
+                <a:lnSpc>
+                  <a:spcPct val="100000"/>
+                </a:lnSpc>
+                <a:spcBef>
+                  <a:spcPts val="0"/>
+                </a:spcBef>
+                <a:spcAft>
+                  <a:spcPts val="0"/>
+                </a:spcAft>
+              </a:defPPr>
+              <a:lvl1pPr marR="0" lvl="0" algn="l" rtl="0">
+                <a:lnSpc>
+                  <a:spcPct val="80000"/>
+                </a:lnSpc>
+                <a:spcBef>
+                  <a:spcPts val="3900"/>
+                </a:spcBef>
+                <a:spcAft>
+                  <a:spcPts val="0"/>
+                </a:spcAft>
+                <a:buClr>
+                  <a:schemeClr val="accent1"/>
+                </a:buClr>
+                <a:buSzPts val="1800"/>
+                <a:buFont typeface="Arial"/>
+                <a:buNone/>
+                <a:defRPr sz="8700" b="0" i="0" u="none" strike="noStrike" cap="none">
+                  <a:solidFill>
+                    <a:schemeClr val="accent1"/>
+                  </a:solidFill>
+                  <a:latin typeface="Arial"/>
+                  <a:ea typeface="Arial"/>
+                  <a:cs typeface="Arial"/>
+                  <a:sym typeface="Arial"/>
+                </a:defRPr>
+              </a:lvl1pPr>
+              <a:lvl2pPr marR="0" lvl="1" algn="l" rtl="0">
+                <a:lnSpc>
+                  <a:spcPct val="80000"/>
+                </a:lnSpc>
+                <a:spcBef>
+                  <a:spcPts val="3900"/>
+                </a:spcBef>
+                <a:spcAft>
+                  <a:spcPts val="0"/>
+                </a:spcAft>
+                <a:buClr>
+                  <a:schemeClr val="accent1"/>
+                </a:buClr>
+                <a:buSzPts val="1800"/>
+                <a:buFont typeface="Arial"/>
+                <a:buNone/>
+                <a:defRPr sz="8700" b="0" i="0" u="none" strike="noStrike" cap="none">
+                  <a:solidFill>
+                    <a:schemeClr val="accent1"/>
+                  </a:solidFill>
+                  <a:latin typeface="Arial"/>
+                  <a:ea typeface="Arial"/>
+                  <a:cs typeface="Arial"/>
+                  <a:sym typeface="Arial"/>
+                </a:defRPr>
+              </a:lvl2pPr>
+              <a:lvl3pPr marR="0" lvl="2" algn="l" rtl="0">
+                <a:lnSpc>
+                  <a:spcPct val="80000"/>
+                </a:lnSpc>
+                <a:spcBef>
+                  <a:spcPts val="3900"/>
+                </a:spcBef>
+                <a:spcAft>
+                  <a:spcPts val="0"/>
+                </a:spcAft>
+                <a:buClr>
+                  <a:schemeClr val="accent1"/>
+                </a:buClr>
+                <a:buSzPts val="1800"/>
+                <a:buFont typeface="Arial"/>
+                <a:buNone/>
+                <a:defRPr sz="8700" b="0" i="0" u="none" strike="noStrike" cap="none">
+                  <a:solidFill>
+                    <a:schemeClr val="accent1"/>
+                  </a:solidFill>
+                  <a:latin typeface="Arial"/>
+                  <a:ea typeface="Arial"/>
+                  <a:cs typeface="Arial"/>
+                  <a:sym typeface="Arial"/>
+                </a:defRPr>
+              </a:lvl3pPr>
+              <a:lvl4pPr marR="0" lvl="3" algn="l" rtl="0">
+                <a:lnSpc>
+                  <a:spcPct val="80000"/>
+                </a:lnSpc>
+                <a:spcBef>
+                  <a:spcPts val="3900"/>
+                </a:spcBef>
+                <a:spcAft>
+                  <a:spcPts val="0"/>
+                </a:spcAft>
+                <a:buClr>
+                  <a:schemeClr val="accent1"/>
+                </a:buClr>
+                <a:buSzPts val="1800"/>
+                <a:buFont typeface="Arial"/>
+                <a:buNone/>
+                <a:defRPr sz="8700" b="0" i="0" u="none" strike="noStrike" cap="none">
+                  <a:solidFill>
+                    <a:schemeClr val="accent1"/>
+                  </a:solidFill>
+                  <a:latin typeface="Arial"/>
+                  <a:ea typeface="Arial"/>
+                  <a:cs typeface="Arial"/>
+                  <a:sym typeface="Arial"/>
+                </a:defRPr>
+              </a:lvl4pPr>
+              <a:lvl5pPr marR="0" lvl="4" algn="l" rtl="0">
+                <a:lnSpc>
+                  <a:spcPct val="80000"/>
+                </a:lnSpc>
+                <a:spcBef>
+                  <a:spcPts val="3900"/>
+                </a:spcBef>
+                <a:spcAft>
+                  <a:spcPts val="0"/>
+                </a:spcAft>
+                <a:buClr>
+                  <a:schemeClr val="accent1"/>
+                </a:buClr>
+                <a:buSzPts val="1800"/>
+                <a:buFont typeface="Arial"/>
+                <a:buNone/>
+                <a:defRPr sz="8700" b="0" i="0" u="none" strike="noStrike" cap="none">
+                  <a:solidFill>
+                    <a:schemeClr val="accent1"/>
+                  </a:solidFill>
+                  <a:latin typeface="Arial"/>
+                  <a:ea typeface="Arial"/>
+                  <a:cs typeface="Arial"/>
+                  <a:sym typeface="Arial"/>
+                </a:defRPr>
+              </a:lvl5pPr>
+              <a:lvl6pPr marR="0" lvl="5" algn="l" rtl="0">
+                <a:lnSpc>
+                  <a:spcPct val="80000"/>
+                </a:lnSpc>
+                <a:spcBef>
+                  <a:spcPts val="3900"/>
+                </a:spcBef>
+                <a:spcAft>
+                  <a:spcPts val="0"/>
+                </a:spcAft>
+                <a:buClr>
+                  <a:schemeClr val="accent1"/>
+                </a:buClr>
+                <a:buSzPts val="1800"/>
+                <a:buFont typeface="Arial"/>
+                <a:buNone/>
+                <a:defRPr sz="8700" b="0" i="0" u="none" strike="noStrike" cap="none">
+                  <a:solidFill>
+                    <a:schemeClr val="accent1"/>
+                  </a:solidFill>
+                  <a:latin typeface="Arial"/>
+                  <a:ea typeface="Arial"/>
+                  <a:cs typeface="Arial"/>
+                  <a:sym typeface="Arial"/>
+                </a:defRPr>
+              </a:lvl6pPr>
+              <a:lvl7pPr marR="0" lvl="6" algn="l" rtl="0">
+                <a:lnSpc>
+                  <a:spcPct val="80000"/>
+                </a:lnSpc>
+                <a:spcBef>
+                  <a:spcPts val="3900"/>
+                </a:spcBef>
+                <a:spcAft>
+                  <a:spcPts val="0"/>
+                </a:spcAft>
+                <a:buClr>
+                  <a:schemeClr val="accent1"/>
+                </a:buClr>
+                <a:buSzPts val="1800"/>
+                <a:buFont typeface="Arial"/>
+                <a:buNone/>
+                <a:defRPr sz="8700" b="0" i="0" u="none" strike="noStrike" cap="none">
+                  <a:solidFill>
+                    <a:schemeClr val="accent1"/>
+                  </a:solidFill>
+                  <a:latin typeface="Arial"/>
+                  <a:ea typeface="Arial"/>
+                  <a:cs typeface="Arial"/>
+                  <a:sym typeface="Arial"/>
+                </a:defRPr>
+              </a:lvl7pPr>
+              <a:lvl8pPr marR="0" lvl="7" algn="l" rtl="0">
+                <a:lnSpc>
+                  <a:spcPct val="80000"/>
+                </a:lnSpc>
+                <a:spcBef>
+                  <a:spcPts val="3900"/>
+                </a:spcBef>
+                <a:spcAft>
+                  <a:spcPts val="0"/>
+                </a:spcAft>
+                <a:buClr>
+                  <a:schemeClr val="accent1"/>
+                </a:buClr>
+                <a:buSzPts val="1800"/>
+                <a:buFont typeface="Arial"/>
+                <a:buNone/>
+                <a:defRPr sz="8700" b="0" i="0" u="none" strike="noStrike" cap="none">
+                  <a:solidFill>
+                    <a:schemeClr val="accent1"/>
+                  </a:solidFill>
+                  <a:latin typeface="Arial"/>
+                  <a:ea typeface="Arial"/>
+                  <a:cs typeface="Arial"/>
+                  <a:sym typeface="Arial"/>
+                </a:defRPr>
+              </a:lvl8pPr>
+              <a:lvl9pPr marR="0" lvl="8" algn="l" rtl="0">
+                <a:lnSpc>
+                  <a:spcPct val="80000"/>
+                </a:lnSpc>
+                <a:spcBef>
+                  <a:spcPts val="3900"/>
+                </a:spcBef>
+                <a:spcAft>
+                  <a:spcPts val="0"/>
+                </a:spcAft>
+                <a:buClr>
+                  <a:schemeClr val="accent1"/>
+                </a:buClr>
+                <a:buSzPts val="1800"/>
+                <a:buFont typeface="Arial"/>
+                <a:buNone/>
+                <a:defRPr sz="8700" b="0" i="0" u="none" strike="noStrike" cap="none">
+                  <a:solidFill>
+                    <a:schemeClr val="accent1"/>
+                  </a:solidFill>
+                  <a:latin typeface="Arial"/>
+                  <a:ea typeface="Arial"/>
+                  <a:cs typeface="Arial"/>
+                  <a:sym typeface="Arial"/>
+                </a:defRPr>
+              </a:lvl9pPr>
+            </a:lstStyle>
+            <a:p>
+              <a:pPr>
+                <a:spcBef>
+                  <a:spcPts val="0"/>
+                </a:spcBef>
+              </a:pPr>
+              <a:r>
+                <a:rPr lang="en-US" altLang="ko-KR" sz="5480" b="1" dirty="0" smtClean="0">
+                  <a:latin typeface="Verdana"/>
+                  <a:ea typeface="Verdana"/>
+                  <a:cs typeface="Verdana"/>
+                  <a:sym typeface="Verdana"/>
+                </a:rPr>
+                <a:t>Multiplication Table IV</a:t>
+              </a:r>
+              <a:endParaRPr lang="ko-KR" altLang="en-US" sz="5480" dirty="0"/>
+            </a:p>
+          </p:txBody>
+        </p:sp>
+        <p:sp>
+          <p:nvSpPr>
+            <p:cNvPr id="13" name="Google Shape;99;p19"/>
+            <p:cNvSpPr txBox="1"/>
+            <p:nvPr/>
+          </p:nvSpPr>
+          <p:spPr>
+            <a:xfrm>
+              <a:off x="761998" y="6308143"/>
+              <a:ext cx="22860001" cy="2226257"/>
+            </a:xfrm>
+            <a:prstGeom prst="rect">
+              <a:avLst/>
+            </a:prstGeom>
+            <a:noFill/>
+            <a:ln>
+              <a:noFill/>
+            </a:ln>
+          </p:spPr>
+          <p:txBody>
+            <a:bodyPr spcFirstLastPara="1" wrap="square" lIns="50800" tIns="50800" rIns="50800" bIns="50800" anchor="t" anchorCtr="0">
+              <a:noAutofit/>
+            </a:bodyPr>
+            <a:lstStyle/>
+            <a:p>
+              <a:pPr marL="584200" lvl="0" indent="-584200">
+                <a:buClr>
+                  <a:srgbClr val="838787"/>
+                </a:buClr>
+                <a:buSzPts val="4637"/>
+                <a:buFont typeface="Avenir"/>
+                <a:buChar char="▸"/>
+              </a:pPr>
+              <a:r>
+                <a:rPr lang="en-US" altLang="ko-KR" sz="4416" dirty="0" smtClean="0">
+                  <a:solidFill>
+                    <a:srgbClr val="838787"/>
+                  </a:solidFill>
+                  <a:latin typeface="Verdana"/>
+                  <a:ea typeface="Verdana"/>
+                  <a:sym typeface="Verdana"/>
+                </a:rPr>
+                <a:t>Use an “switch” statement</a:t>
+              </a:r>
+            </a:p>
+            <a:p>
+              <a:pPr marL="584200" lvl="0" indent="-584200">
+                <a:buClr>
+                  <a:srgbClr val="838787"/>
+                </a:buClr>
+                <a:buSzPts val="4637"/>
+                <a:buFont typeface="Avenir"/>
+                <a:buChar char="▸"/>
+              </a:pPr>
+              <a:endParaRPr lang="en-US" altLang="ko-KR" sz="4416" dirty="0">
+                <a:solidFill>
+                  <a:srgbClr val="838787"/>
+                </a:solidFill>
+                <a:latin typeface="Verdana"/>
+                <a:ea typeface="Verdana"/>
+                <a:sym typeface="Verdana"/>
+              </a:endParaRPr>
+            </a:p>
+            <a:p>
+              <a:pPr marL="584200" lvl="0" indent="-584200">
+                <a:buClr>
+                  <a:srgbClr val="838787"/>
+                </a:buClr>
+                <a:buSzPts val="4637"/>
+                <a:buFont typeface="Avenir"/>
+                <a:buChar char="▸"/>
+              </a:pPr>
+              <a:r>
+                <a:rPr lang="en-US" altLang="ko-KR" sz="4416" dirty="0" smtClean="0">
+                  <a:solidFill>
+                    <a:srgbClr val="838787"/>
+                  </a:solidFill>
+                  <a:latin typeface="Verdana"/>
+                  <a:ea typeface="Verdana"/>
+                  <a:sym typeface="Verdana"/>
+                </a:rPr>
+                <a:t>Use a double “while” loop</a:t>
+              </a:r>
+            </a:p>
+            <a:p>
+              <a:pPr marL="584200" lvl="0" indent="-584200">
+                <a:buClr>
+                  <a:srgbClr val="838787"/>
+                </a:buClr>
+                <a:buSzPts val="4637"/>
+                <a:buFont typeface="Avenir"/>
+                <a:buChar char="▸"/>
+              </a:pPr>
+              <a:endParaRPr lang="en-US" altLang="ko-KR" sz="4416" dirty="0">
+                <a:solidFill>
+                  <a:srgbClr val="838787"/>
+                </a:solidFill>
+                <a:latin typeface="Verdana"/>
+                <a:ea typeface="Verdana"/>
+                <a:sym typeface="Verdana"/>
+              </a:endParaRPr>
+            </a:p>
+            <a:p>
+              <a:pPr marL="584200" lvl="0" indent="-584200">
+                <a:buClr>
+                  <a:srgbClr val="838787"/>
+                </a:buClr>
+                <a:buSzPts val="4637"/>
+                <a:buFont typeface="Avenir"/>
+                <a:buChar char="▸"/>
+              </a:pPr>
+              <a:r>
+                <a:rPr lang="en-US" altLang="ko-KR" sz="4416" dirty="0" smtClean="0">
+                  <a:solidFill>
+                    <a:srgbClr val="838787"/>
+                  </a:solidFill>
+                  <a:latin typeface="Verdana"/>
+                  <a:ea typeface="Verdana"/>
+                  <a:sym typeface="Verdana"/>
+                </a:rPr>
+                <a:t>Print 2 to 9 times table</a:t>
+              </a:r>
+            </a:p>
+            <a:p>
+              <a:pPr marL="584200" lvl="0" indent="-584200">
+                <a:buClr>
+                  <a:srgbClr val="838787"/>
+                </a:buClr>
+                <a:buSzPts val="4637"/>
+                <a:buFont typeface="Avenir"/>
+                <a:buChar char="▸"/>
+              </a:pPr>
+              <a:endParaRPr lang="en-US" altLang="ko-KR" sz="4416" dirty="0">
+                <a:solidFill>
+                  <a:srgbClr val="838787"/>
+                </a:solidFill>
+                <a:latin typeface="Verdana"/>
+                <a:ea typeface="Verdana"/>
+                <a:sym typeface="Verdana"/>
+              </a:endParaRPr>
+            </a:p>
+            <a:p>
+              <a:pPr marL="584200" lvl="0" indent="-584200">
+                <a:buClr>
+                  <a:srgbClr val="838787"/>
+                </a:buClr>
+                <a:buSzPts val="4637"/>
+                <a:buFont typeface="Avenir"/>
+                <a:buChar char="▸"/>
+              </a:pPr>
+              <a:endParaRPr lang="en-US" altLang="ko-KR" sz="4416" dirty="0">
+                <a:solidFill>
+                  <a:srgbClr val="838787"/>
+                </a:solidFill>
+                <a:latin typeface="Verdana"/>
+                <a:ea typeface="Verdana"/>
+                <a:sym typeface="Verdana"/>
+              </a:endParaRPr>
+            </a:p>
+            <a:p>
+              <a:pPr marR="0" lvl="0" algn="l" rtl="0">
+                <a:lnSpc>
+                  <a:spcPct val="100000"/>
+                </a:lnSpc>
+                <a:spcBef>
+                  <a:spcPts val="0"/>
+                </a:spcBef>
+                <a:spcAft>
+                  <a:spcPts val="0"/>
+                </a:spcAft>
+                <a:buClr>
+                  <a:srgbClr val="838787"/>
+                </a:buClr>
+                <a:buSzPts val="4637"/>
+              </a:pPr>
+              <a:endParaRPr lang="en-US" sz="4416" dirty="0">
+                <a:solidFill>
+                  <a:srgbClr val="838787"/>
+                </a:solidFill>
+                <a:latin typeface="Verdana"/>
+                <a:ea typeface="Verdana"/>
+                <a:sym typeface="Verdana"/>
+              </a:endParaRPr>
+            </a:p>
+          </p:txBody>
+        </p:sp>
+      </p:grpSp>
+    </p:spTree>
+    <p:extLst>
+      <p:ext uri="{BB962C8B-B14F-4D97-AF65-F5344CB8AC3E}">
+        <p14:creationId xmlns:p14="http://schemas.microsoft.com/office/powerpoint/2010/main" val="851988205"/>
+      </p:ext>
+    </p:extLst>
+  </p:cSld>
+  <p:clrMapOvr>
+    <a:masterClrMapping/>
+  </p:clrMapOvr>
+  <p:timing>
+    <p:tnLst>
+      <p:par>
+        <p:cTn id="1" dur="indefinite" restart="never" nodeType="tmRoot"/>
+      </p:par>
+    </p:tnLst>
+  </p:timing>
+</p:sld>
+</file>
+
+<file path=ppt/slides/slide3.xml><?xml version="1.0" encoding="utf-8"?>
 <p:sld xmlns:a="http://schemas.openxmlformats.org/drawingml/2006/main" xmlns:r="http://schemas.openxmlformats.org/officeDocument/2006/relationships" xmlns:p="http://schemas.openxmlformats.org/presentationml/2006/main">
   <p:cSld>
     <p:spTree>
@@ -15655,7 +16824,7 @@
                   <a:srgbClr val="FFC000"/>
                 </a:solidFill>
               </a:rPr>
-              <a:t>A1</a:t>
+              <a:t>A3</a:t>
             </a:r>
             <a:endParaRPr sz="6600" dirty="0">
               <a:solidFill>
@@ -15685,7 +16854,7 @@
 </p:sld>
 </file>
 
-<file path=ppt/slides/slide3.xml><?xml version="1.0" encoding="utf-8"?>
+<file path=ppt/slides/slide4.xml><?xml version="1.0" encoding="utf-8"?>
 <p:sld xmlns:a="http://schemas.openxmlformats.org/drawingml/2006/main" xmlns:r="http://schemas.openxmlformats.org/officeDocument/2006/relationships" xmlns:p="http://schemas.openxmlformats.org/presentationml/2006/main">
   <p:cSld>
     <p:spTree>
@@ -16417,7 +17586,7 @@
                   <a:srgbClr val="FFC000"/>
                 </a:solidFill>
               </a:rPr>
-              <a:t>A2</a:t>
+              <a:t>A4</a:t>
             </a:r>
             <a:endParaRPr sz="6600" dirty="0">
               <a:solidFill>
@@ -16447,7 +17616,7 @@
 </p:sld>
 </file>
 
-<file path=ppt/slides/slide4.xml><?xml version="1.0" encoding="utf-8"?>
+<file path=ppt/slides/slide5.xml><?xml version="1.0" encoding="utf-8"?>
 <p:sld xmlns:a="http://schemas.openxmlformats.org/drawingml/2006/main" xmlns:r="http://schemas.openxmlformats.org/officeDocument/2006/relationships" xmlns:p="http://schemas.openxmlformats.org/presentationml/2006/main">
   <p:cSld>
     <p:spTree>
@@ -17213,7 +18382,7 @@
                   <a:srgbClr val="FFC000"/>
                 </a:solidFill>
               </a:rPr>
-              <a:t>A3</a:t>
+              <a:t>A5</a:t>
             </a:r>
             <a:endParaRPr sz="6600" dirty="0">
               <a:solidFill>
@@ -17243,7 +18412,7 @@
 </p:sld>
 </file>
 
-<file path=ppt/slides/slide5.xml><?xml version="1.0" encoding="utf-8"?>
+<file path=ppt/slides/slide6.xml><?xml version="1.0" encoding="utf-8"?>
 <p:sld xmlns:a="http://schemas.openxmlformats.org/drawingml/2006/main" xmlns:r="http://schemas.openxmlformats.org/officeDocument/2006/relationships" xmlns:p="http://schemas.openxmlformats.org/presentationml/2006/main">
   <p:cSld>
     <p:spTree>
@@ -17838,7 +19007,7 @@
                   <a:srgbClr val="FFC000"/>
                 </a:solidFill>
               </a:rPr>
-              <a:t>A4</a:t>
+              <a:t>A6</a:t>
             </a:r>
             <a:endParaRPr sz="6600" dirty="0">
               <a:solidFill>
@@ -17868,7 +19037,7 @@
 </p:sld>
 </file>
 
-<file path=ppt/slides/slide6.xml><?xml version="1.0" encoding="utf-8"?>
+<file path=ppt/slides/slide7.xml><?xml version="1.0" encoding="utf-8"?>
 <p:sld xmlns:a="http://schemas.openxmlformats.org/drawingml/2006/main" xmlns:r="http://schemas.openxmlformats.org/officeDocument/2006/relationships" xmlns:p="http://schemas.openxmlformats.org/presentationml/2006/main">
   <p:cSld>
     <p:spTree>
@@ -18436,7 +19605,7 @@
                   <a:srgbClr val="FFC000"/>
                 </a:solidFill>
               </a:rPr>
-              <a:t>A5</a:t>
+              <a:t>A7</a:t>
             </a:r>
             <a:endParaRPr sz="6600" dirty="0">
               <a:solidFill>
@@ -18466,7 +19635,7 @@
 </p:sld>
 </file>
 
-<file path=ppt/slides/slide7.xml><?xml version="1.0" encoding="utf-8"?>
+<file path=ppt/slides/slide8.xml><?xml version="1.0" encoding="utf-8"?>
 <p:sld xmlns:a="http://schemas.openxmlformats.org/drawingml/2006/main" xmlns:r="http://schemas.openxmlformats.org/officeDocument/2006/relationships" xmlns:p="http://schemas.openxmlformats.org/presentationml/2006/main">
   <p:cSld>
     <p:spTree>
@@ -19042,7 +20211,7 @@
                   <a:srgbClr val="FFC000"/>
                 </a:solidFill>
               </a:rPr>
-              <a:t>A6</a:t>
+              <a:t>A8</a:t>
             </a:r>
             <a:endParaRPr sz="6600" dirty="0">
               <a:solidFill>
@@ -19072,7 +20241,7 @@
 </p:sld>
 </file>
 
-<file path=ppt/slides/slide8.xml><?xml version="1.0" encoding="utf-8"?>
+<file path=ppt/slides/slide9.xml><?xml version="1.0" encoding="utf-8"?>
 <p:sld xmlns:a="http://schemas.openxmlformats.org/drawingml/2006/main" xmlns:r="http://schemas.openxmlformats.org/officeDocument/2006/relationships" xmlns:p="http://schemas.openxmlformats.org/presentationml/2006/main">
   <p:cSld>
     <p:spTree>
@@ -19697,7 +20866,7 @@
                   <a:srgbClr val="FFC000"/>
                 </a:solidFill>
               </a:rPr>
-              <a:t>A7</a:t>
+              <a:t>A9</a:t>
             </a:r>
             <a:endParaRPr sz="6600" dirty="0">
               <a:solidFill>
